--- a/capstonePresentation.pptx
+++ b/capstonePresentation.pptx
@@ -23880,13 +23880,20 @@
             <p:ph type="body" idx="1"/>
           </p:nvPr>
         </p:nvSpPr>
-        <p:spPr/>
+        <p:spPr>
+          <a:xfrm>
+            <a:off x="1141410" y="1800793"/>
+            <a:ext cx="4649783" cy="823912"/>
+          </a:xfrm>
+        </p:spPr>
         <p:txBody>
-          <a:bodyPr/>
+          <a:bodyPr>
+            <a:normAutofit/>
+          </a:bodyPr>
           <a:lstStyle/>
           <a:p>
             <a:r>
-              <a:rPr lang="en-US" dirty="0"/>
+              <a:rPr lang="en-US" sz="2800" dirty="0"/>
               <a:t>Analysis</a:t>
             </a:r>
           </a:p>
@@ -23910,12 +23917,14 @@
         </p:nvSpPr>
         <p:spPr>
           <a:xfrm>
-            <a:off x="1141410" y="3073397"/>
-            <a:ext cx="4215891" cy="3165477"/>
+            <a:off x="1141410" y="2624705"/>
+            <a:ext cx="4215891" cy="3657909"/>
           </a:xfrm>
         </p:spPr>
         <p:txBody>
-          <a:bodyPr/>
+          <a:bodyPr>
+            <a:normAutofit/>
+          </a:bodyPr>
           <a:lstStyle/>
           <a:p>
             <a:r>
@@ -23926,7 +23935,40 @@
           <a:p>
             <a:r>
               <a:rPr lang="en-US" dirty="0"/>
-              <a:t>Low variability</a:t>
+              <a:t>Branching</a:t>
+            </a:r>
+          </a:p>
+          <a:p>
+            <a:pPr lvl="1"/>
+            <a:r>
+              <a:rPr lang="en-US" dirty="0"/>
+              <a:t>84.34079x</a:t>
+            </a:r>
+          </a:p>
+          <a:p>
+            <a:r>
+              <a:rPr lang="en-US" dirty="0"/>
+              <a:t>Calculations</a:t>
+            </a:r>
+          </a:p>
+          <a:p>
+            <a:pPr lvl="1"/>
+            <a:r>
+              <a:rPr lang="en-US" dirty="0"/>
+              <a:t>30.16514x</a:t>
+            </a:r>
+          </a:p>
+          <a:p>
+            <a:r>
+              <a:rPr lang="en-US" dirty="0"/>
+              <a:t>Looping</a:t>
+            </a:r>
+          </a:p>
+          <a:p>
+            <a:pPr lvl="1"/>
+            <a:r>
+              <a:rPr lang="en-US" dirty="0"/>
+              <a:t>9.53296x</a:t>
             </a:r>
           </a:p>
           <a:p>
@@ -24287,7 +24329,12 @@
             <p:ph sz="half" idx="2"/>
           </p:nvPr>
         </p:nvSpPr>
-        <p:spPr/>
+        <p:spPr>
+          <a:xfrm>
+            <a:off x="1134984" y="3073397"/>
+            <a:ext cx="4878391" cy="2717801"/>
+          </a:xfrm>
+        </p:spPr>
         <p:txBody>
           <a:bodyPr>
             <a:normAutofit/>
@@ -24368,6 +24415,20 @@
           <a:p>
             <a:r>
               <a:rPr lang="en-US" dirty="0"/>
+              <a:t>Compiled languages were an average of </a:t>
+            </a:r>
+            <a:r>
+              <a:rPr lang="en-US" u="sng" dirty="0"/>
+              <a:t>41.35 times faster </a:t>
+            </a:r>
+            <a:r>
+              <a:rPr lang="en-US" dirty="0"/>
+              <a:t>across all tests performed</a:t>
+            </a:r>
+          </a:p>
+          <a:p>
+            <a:r>
+              <a:rPr lang="en-US" dirty="0"/>
               <a:t>Compiled languages are “meaningfully” faster</a:t>
             </a:r>
           </a:p>
@@ -24386,6 +24447,140 @@
   <p:clrMapOvr>
     <a:masterClrMapping/>
   </p:clrMapOvr>
+  <p:timing>
+    <p:tnLst>
+      <p:par>
+        <p:cTn id="1" dur="indefinite" restart="never" nodeType="tmRoot">
+          <p:childTnLst>
+            <p:seq concurrent="1" nextAc="seek">
+              <p:cTn id="2" dur="indefinite" nodeType="mainSeq">
+                <p:childTnLst>
+                  <p:par>
+                    <p:cTn id="3" fill="hold">
+                      <p:stCondLst>
+                        <p:cond delay="indefinite"/>
+                      </p:stCondLst>
+                      <p:childTnLst>
+                        <p:par>
+                          <p:cTn id="4" fill="hold">
+                            <p:stCondLst>
+                              <p:cond delay="0"/>
+                            </p:stCondLst>
+                            <p:childTnLst>
+                              <p:par>
+                                <p:cTn id="5" presetID="10" presetClass="entr" presetSubtype="0" fill="hold" nodeType="clickEffect">
+                                  <p:stCondLst>
+                                    <p:cond delay="0"/>
+                                  </p:stCondLst>
+                                  <p:childTnLst>
+                                    <p:set>
+                                      <p:cBhvr>
+                                        <p:cTn id="6" dur="1" fill="hold">
+                                          <p:stCondLst>
+                                            <p:cond delay="0"/>
+                                          </p:stCondLst>
+                                        </p:cTn>
+                                        <p:tgtEl>
+                                          <p:spTgt spid="6">
+                                            <p:txEl>
+                                              <p:pRg st="0" end="0"/>
+                                            </p:txEl>
+                                          </p:spTgt>
+                                        </p:tgtEl>
+                                        <p:attrNameLst>
+                                          <p:attrName>style.visibility</p:attrName>
+                                        </p:attrNameLst>
+                                      </p:cBhvr>
+                                      <p:to>
+                                        <p:strVal val="visible"/>
+                                      </p:to>
+                                    </p:set>
+                                    <p:animEffect transition="in" filter="fade">
+                                      <p:cBhvr>
+                                        <p:cTn id="7" dur="500"/>
+                                        <p:tgtEl>
+                                          <p:spTgt spid="6">
+                                            <p:txEl>
+                                              <p:pRg st="0" end="0"/>
+                                            </p:txEl>
+                                          </p:spTgt>
+                                        </p:tgtEl>
+                                      </p:cBhvr>
+                                    </p:animEffect>
+                                  </p:childTnLst>
+                                </p:cTn>
+                              </p:par>
+                              <p:par>
+                                <p:cTn id="8" presetID="10" presetClass="entr" presetSubtype="0" fill="hold" nodeType="withEffect">
+                                  <p:stCondLst>
+                                    <p:cond delay="0"/>
+                                  </p:stCondLst>
+                                  <p:childTnLst>
+                                    <p:set>
+                                      <p:cBhvr>
+                                        <p:cTn id="9" dur="1" fill="hold">
+                                          <p:stCondLst>
+                                            <p:cond delay="0"/>
+                                          </p:stCondLst>
+                                        </p:cTn>
+                                        <p:tgtEl>
+                                          <p:spTgt spid="6">
+                                            <p:txEl>
+                                              <p:pRg st="1" end="1"/>
+                                            </p:txEl>
+                                          </p:spTgt>
+                                        </p:tgtEl>
+                                        <p:attrNameLst>
+                                          <p:attrName>style.visibility</p:attrName>
+                                        </p:attrNameLst>
+                                      </p:cBhvr>
+                                      <p:to>
+                                        <p:strVal val="visible"/>
+                                      </p:to>
+                                    </p:set>
+                                    <p:animEffect transition="in" filter="fade">
+                                      <p:cBhvr>
+                                        <p:cTn id="10" dur="500"/>
+                                        <p:tgtEl>
+                                          <p:spTgt spid="6">
+                                            <p:txEl>
+                                              <p:pRg st="1" end="1"/>
+                                            </p:txEl>
+                                          </p:spTgt>
+                                        </p:tgtEl>
+                                      </p:cBhvr>
+                                    </p:animEffect>
+                                  </p:childTnLst>
+                                </p:cTn>
+                              </p:par>
+                            </p:childTnLst>
+                          </p:cTn>
+                        </p:par>
+                      </p:childTnLst>
+                    </p:cTn>
+                  </p:par>
+                </p:childTnLst>
+              </p:cTn>
+              <p:prevCondLst>
+                <p:cond evt="onPrev" delay="0">
+                  <p:tgtEl>
+                    <p:sldTgt/>
+                  </p:tgtEl>
+                </p:cond>
+              </p:prevCondLst>
+              <p:nextCondLst>
+                <p:cond evt="onNext" delay="0">
+                  <p:tgtEl>
+                    <p:sldTgt/>
+                  </p:tgtEl>
+                </p:cond>
+              </p:nextCondLst>
+            </p:seq>
+          </p:childTnLst>
+        </p:cTn>
+      </p:par>
+    </p:tnLst>
+  </p:timing>
 </p:sld>
 </file>
 
